--- a/7. Javascript/Slides/JS Grundlagen 2.pptx
+++ b/7. Javascript/Slides/JS Grundlagen 2.pptx
@@ -41,7 +41,12 @@
     <p:sldId id="401" r:id="rId35"/>
     <p:sldId id="398" r:id="rId36"/>
     <p:sldId id="366" r:id="rId37"/>
-    <p:sldId id="292" r:id="rId38"/>
+    <p:sldId id="402" r:id="rId38"/>
+    <p:sldId id="403" r:id="rId39"/>
+    <p:sldId id="404" r:id="rId40"/>
+    <p:sldId id="406" r:id="rId41"/>
+    <p:sldId id="405" r:id="rId42"/>
+    <p:sldId id="292" r:id="rId43"/>
   </p:sldIdLst>
   <p:sldSz cx="12192000" cy="6858000"/>
   <p:notesSz cx="6858000" cy="9144000"/>
@@ -299,7 +304,7 @@
           <a:p>
             <a:fld id="{B6D41BCC-AD73-4203-A5A6-E62EB28B0FE6}" type="datetimeFigureOut">
               <a:rPr lang="en-US" smtClean="0"/>
-              <a:t>11/3/2023</a:t>
+              <a:t>11/6/2023</a:t>
             </a:fld>
             <a:endParaRPr lang="en-US"/>
           </a:p>
@@ -507,7 +512,7 @@
           <a:p>
             <a:fld id="{B6D41BCC-AD73-4203-A5A6-E62EB28B0FE6}" type="datetimeFigureOut">
               <a:rPr lang="en-US" smtClean="0"/>
-              <a:t>11/3/2023</a:t>
+              <a:t>11/6/2023</a:t>
             </a:fld>
             <a:endParaRPr lang="en-US"/>
           </a:p>
@@ -715,7 +720,7 @@
           <a:p>
             <a:fld id="{B6D41BCC-AD73-4203-A5A6-E62EB28B0FE6}" type="datetimeFigureOut">
               <a:rPr lang="en-US" smtClean="0"/>
-              <a:t>11/3/2023</a:t>
+              <a:t>11/6/2023</a:t>
             </a:fld>
             <a:endParaRPr lang="en-US"/>
           </a:p>
@@ -913,7 +918,7 @@
           <a:p>
             <a:fld id="{B6D41BCC-AD73-4203-A5A6-E62EB28B0FE6}" type="datetimeFigureOut">
               <a:rPr lang="en-US" smtClean="0"/>
-              <a:t>11/3/2023</a:t>
+              <a:t>11/6/2023</a:t>
             </a:fld>
             <a:endParaRPr lang="en-US"/>
           </a:p>
@@ -1322,7 +1327,7 @@
           <a:p>
             <a:fld id="{B6D41BCC-AD73-4203-A5A6-E62EB28B0FE6}" type="datetimeFigureOut">
               <a:rPr lang="en-US" smtClean="0"/>
-              <a:t>11/3/2023</a:t>
+              <a:t>11/6/2023</a:t>
             </a:fld>
             <a:endParaRPr lang="en-US"/>
           </a:p>
@@ -1592,7 +1597,7 @@
           <a:p>
             <a:fld id="{B6D41BCC-AD73-4203-A5A6-E62EB28B0FE6}" type="datetimeFigureOut">
               <a:rPr lang="en-US" smtClean="0"/>
-              <a:t>11/3/2023</a:t>
+              <a:t>11/6/2023</a:t>
             </a:fld>
             <a:endParaRPr lang="en-US"/>
           </a:p>
@@ -2008,7 +2013,7 @@
           <a:p>
             <a:fld id="{B6D41BCC-AD73-4203-A5A6-E62EB28B0FE6}" type="datetimeFigureOut">
               <a:rPr lang="en-US" smtClean="0"/>
-              <a:t>11/3/2023</a:t>
+              <a:t>11/6/2023</a:t>
             </a:fld>
             <a:endParaRPr lang="en-US"/>
           </a:p>
@@ -2149,7 +2154,7 @@
           <a:p>
             <a:fld id="{B6D41BCC-AD73-4203-A5A6-E62EB28B0FE6}" type="datetimeFigureOut">
               <a:rPr lang="en-US" smtClean="0"/>
-              <a:t>11/3/2023</a:t>
+              <a:t>11/6/2023</a:t>
             </a:fld>
             <a:endParaRPr lang="en-US"/>
           </a:p>
@@ -2262,7 +2267,7 @@
           <a:p>
             <a:fld id="{B6D41BCC-AD73-4203-A5A6-E62EB28B0FE6}" type="datetimeFigureOut">
               <a:rPr lang="en-US" smtClean="0"/>
-              <a:t>11/3/2023</a:t>
+              <a:t>11/6/2023</a:t>
             </a:fld>
             <a:endParaRPr lang="en-US"/>
           </a:p>
@@ -2588,7 +2593,7 @@
           <a:p>
             <a:fld id="{B6D41BCC-AD73-4203-A5A6-E62EB28B0FE6}" type="datetimeFigureOut">
               <a:rPr lang="en-US" smtClean="0"/>
-              <a:t>11/3/2023</a:t>
+              <a:t>11/6/2023</a:t>
             </a:fld>
             <a:endParaRPr lang="en-US"/>
           </a:p>
@@ -2876,7 +2881,7 @@
           <a:p>
             <a:fld id="{B6D41BCC-AD73-4203-A5A6-E62EB28B0FE6}" type="datetimeFigureOut">
               <a:rPr lang="en-US" smtClean="0"/>
-              <a:t>11/3/2023</a:t>
+              <a:t>11/6/2023</a:t>
             </a:fld>
             <a:endParaRPr lang="en-US"/>
           </a:p>
@@ -3116,7 +3121,7 @@
             <a:fld id="{B6D41BCC-AD73-4203-A5A6-E62EB28B0FE6}" type="datetimeFigureOut">
               <a:rPr lang="en-US" smtClean="0"/>
               <a:pPr/>
-              <a:t>11/3/2023</a:t>
+              <a:t>11/6/2023</a:t>
             </a:fld>
             <a:endParaRPr lang="en-US"/>
           </a:p>
@@ -3839,11 +3844,7 @@
           <a:p>
             <a:r>
               <a:rPr lang="de-AT" sz="2800" dirty="0" smtClean="0"/>
-              <a:t>JavaScript </a:t>
-            </a:r>
-            <a:r>
-              <a:rPr lang="de-AT" sz="2800" dirty="0" smtClean="0"/>
-              <a:t>Grundlagen 2</a:t>
+              <a:t>JavaScript Grundlagen 2</a:t>
             </a:r>
             <a:endParaRPr lang="de-AT" sz="2800" dirty="0"/>
           </a:p>
@@ -13275,7 +13276,6 @@
               <a:rPr lang="de-AT" dirty="0" smtClean="0"/>
               <a:t>Switch</a:t>
             </a:r>
-            <a:endParaRPr lang="de-AT" dirty="0" smtClean="0"/>
           </a:p>
           <a:p>
             <a:endParaRPr lang="en-US" dirty="0"/>
@@ -13360,12 +13360,411 @@
           <a:chExt cx="0" cy="0"/>
         </a:xfrm>
       </p:grpSpPr>
+      <p:pic>
+        <p:nvPicPr>
+          <p:cNvPr id="4" name="Grafik 3"/>
+          <p:cNvPicPr>
+            <a:picLocks noChangeAspect="1"/>
+          </p:cNvPicPr>
+          <p:nvPr/>
+        </p:nvPicPr>
+        <p:blipFill>
+          <a:blip r:embed="rId2"/>
+          <a:stretch>
+            <a:fillRect/>
+          </a:stretch>
+        </p:blipFill>
+        <p:spPr>
+          <a:xfrm>
+            <a:off x="7395412" y="2057400"/>
+            <a:ext cx="4645287" cy="3268906"/>
+          </a:xfrm>
+          <a:prstGeom prst="rect">
+            <a:avLst/>
+          </a:prstGeom>
+        </p:spPr>
+      </p:pic>
       <p:sp>
         <p:nvSpPr>
-          <p:cNvPr id="6" name="Titel 5">
+          <p:cNvPr id="2" name="Titel 1"/>
+          <p:cNvSpPr>
+            <a:spLocks noGrp="1"/>
+          </p:cNvSpPr>
+          <p:nvPr>
+            <p:ph type="title"/>
+          </p:nvPr>
+        </p:nvSpPr>
+        <p:spPr>
+          <a:xfrm>
+            <a:off x="1066800" y="685800"/>
+            <a:ext cx="10020300" cy="1371600"/>
+          </a:xfrm>
+        </p:spPr>
+        <p:txBody>
+          <a:bodyPr/>
+          <a:lstStyle/>
+          <a:p>
+            <a:r>
+              <a:rPr lang="de-AT" dirty="0" smtClean="0"/>
+              <a:t>Wiederholung zu Funktionen &amp; Verzweigungen</a:t>
+            </a:r>
+            <a:endParaRPr lang="en-US" dirty="0"/>
+          </a:p>
+        </p:txBody>
+      </p:sp>
+      <p:sp>
+        <p:nvSpPr>
+          <p:cNvPr id="3" name="Inhaltsplatzhalter 2"/>
+          <p:cNvSpPr>
+            <a:spLocks noGrp="1"/>
+          </p:cNvSpPr>
+          <p:nvPr>
+            <p:ph idx="1"/>
+          </p:nvPr>
+        </p:nvSpPr>
+        <p:spPr>
+          <a:xfrm>
+            <a:off x="1066800" y="2057400"/>
+            <a:ext cx="6265985" cy="4137259"/>
+          </a:xfrm>
+        </p:spPr>
+        <p:txBody>
+          <a:bodyPr>
+            <a:normAutofit/>
+          </a:bodyPr>
+          <a:lstStyle/>
+          <a:p>
+            <a:r>
+              <a:rPr lang="de-DE" dirty="0" smtClean="0"/>
+              <a:t>Schreibe </a:t>
+            </a:r>
+            <a:r>
+              <a:rPr lang="de-DE" dirty="0"/>
+              <a:t>ein Programm, das </a:t>
+            </a:r>
+            <a:r>
+              <a:rPr lang="de-DE" dirty="0" smtClean="0"/>
+              <a:t>den Body-</a:t>
+            </a:r>
+            <a:r>
+              <a:rPr lang="de-DE" dirty="0" err="1" smtClean="0"/>
+              <a:t>Mass</a:t>
+            </a:r>
+            <a:r>
+              <a:rPr lang="de-DE" dirty="0" smtClean="0"/>
+              <a:t>-Index berechnet</a:t>
+            </a:r>
+          </a:p>
+          <a:p>
+            <a:r>
+              <a:rPr lang="de-DE" dirty="0" smtClean="0"/>
+              <a:t>Erzeuge 2 Prompts in denen der Benutzer seine Größe (m) und sein Gewicht (kg) eingeben kann</a:t>
+            </a:r>
+          </a:p>
+          <a:p>
+            <a:r>
+              <a:rPr lang="de-DE" dirty="0" smtClean="0"/>
+              <a:t>Das Programm berechnet mit der nebenstehenden Formel den BMI und gibt diesen, gemeinsam mit der Kategorie, in einem Alert aus</a:t>
+            </a:r>
+          </a:p>
+          <a:p>
+            <a:r>
+              <a:rPr lang="de-DE" dirty="0" smtClean="0"/>
+              <a:t>Verwende für die Berechnung eine Funktion in der die eingegebenen Größen als Parameter übergeben werden und das Ergebnis über „</a:t>
+            </a:r>
+            <a:r>
+              <a:rPr lang="de-DE" dirty="0" err="1" smtClean="0"/>
+              <a:t>return</a:t>
+            </a:r>
+            <a:r>
+              <a:rPr lang="de-DE" dirty="0" smtClean="0"/>
+              <a:t>“ zurückgegeben wird</a:t>
+            </a:r>
+            <a:endParaRPr lang="de-DE" dirty="0"/>
+          </a:p>
+          <a:p>
+            <a:endParaRPr lang="en-US" dirty="0"/>
+          </a:p>
+        </p:txBody>
+      </p:sp>
+    </p:spTree>
+    <p:extLst>
+      <p:ext uri="{BB962C8B-B14F-4D97-AF65-F5344CB8AC3E}">
+        <p14:creationId xmlns:p14="http://schemas.microsoft.com/office/powerpoint/2010/main" val="885594619"/>
+      </p:ext>
+    </p:extLst>
+  </p:cSld>
+  <p:clrMapOvr>
+    <a:masterClrMapping/>
+  </p:clrMapOvr>
+  <p:timing>
+    <p:tnLst>
+      <p:par>
+        <p:cTn id="1" dur="indefinite" restart="never" nodeType="tmRoot"/>
+      </p:par>
+    </p:tnLst>
+  </p:timing>
+</p:sld>
+</file>
+
+<file path=ppt/slides/slide38.xml><?xml version="1.0" encoding="utf-8"?>
+<p:sld xmlns:a="http://schemas.openxmlformats.org/drawingml/2006/main" xmlns:r="http://schemas.openxmlformats.org/officeDocument/2006/relationships" xmlns:p="http://schemas.openxmlformats.org/presentationml/2006/main">
+  <p:cSld>
+    <p:bg>
+      <p:bgPr>
+        <a:solidFill>
+          <a:schemeClr val="bg1"/>
+        </a:solidFill>
+        <a:effectLst/>
+      </p:bgPr>
+    </p:bg>
+    <p:spTree>
+      <p:nvGrpSpPr>
+        <p:cNvPr id="1" name=""/>
+        <p:cNvGrpSpPr/>
+        <p:nvPr/>
+      </p:nvGrpSpPr>
+      <p:grpSpPr>
+        <a:xfrm>
+          <a:off x="0" y="0"/>
+          <a:ext cx="0" cy="0"/>
+          <a:chOff x="0" y="0"/>
+          <a:chExt cx="0" cy="0"/>
+        </a:xfrm>
+      </p:grpSpPr>
+      <p:sp>
+        <p:nvSpPr>
+          <p:cNvPr id="9" name="Rectangle 8">
             <a:extLst>
               <a:ext uri="{FF2B5EF4-FFF2-40B4-BE49-F238E27FC236}">
-                <a16:creationId xmlns:a16="http://schemas.microsoft.com/office/drawing/2014/main" id="{215C6C17-3994-268F-CD9B-1F627A31A4B8}"/>
+                <a16:creationId xmlns:a16="http://schemas.microsoft.com/office/drawing/2014/main" id="{BE229233-9672-4675-99B7-6CBCEF1CD415}"/>
+              </a:ext>
+              <a:ext uri="{C183D7F6-B498-43B3-948B-1728B52AA6E4}">
+                <adec:decorative xmlns="" xmlns:adec="http://schemas.microsoft.com/office/drawing/2017/decorative" val="1"/>
+              </a:ext>
+            </a:extLst>
+          </p:cNvPr>
+          <p:cNvSpPr>
+            <a:spLocks noGrp="1" noRot="1" noChangeAspect="1" noMove="1" noResize="1" noEditPoints="1" noAdjustHandles="1" noChangeArrowheads="1" noChangeShapeType="1" noTextEdit="1"/>
+          </p:cNvSpPr>
+          <p:nvPr>
+            <p:extLst>
+              <p:ext uri="{386F3935-93C4-4BCD-93E2-E3B085C9AB24}">
+                <p16:designElem xmlns:p16="http://schemas.microsoft.com/office/powerpoint/2015/main" val="1"/>
+              </p:ext>
+            </p:extLst>
+          </p:nvPr>
+        </p:nvSpPr>
+        <p:spPr>
+          <a:xfrm>
+            <a:off x="0" y="0"/>
+            <a:ext cx="12192000" cy="6858000"/>
+          </a:xfrm>
+          <a:prstGeom prst="rect">
+            <a:avLst/>
+          </a:prstGeom>
+          <a:solidFill>
+            <a:schemeClr val="bg1"/>
+          </a:solidFill>
+          <a:ln w="12700" cap="flat" cmpd="sng" algn="ctr">
+            <a:noFill/>
+            <a:prstDash val="solid"/>
+            <a:miter lim="800000"/>
+          </a:ln>
+          <a:effectLst/>
+        </p:spPr>
+        <p:style>
+          <a:lnRef idx="2">
+            <a:schemeClr val="accent1">
+              <a:shade val="50000"/>
+            </a:schemeClr>
+          </a:lnRef>
+          <a:fillRef idx="1">
+            <a:schemeClr val="accent1"/>
+          </a:fillRef>
+          <a:effectRef idx="0">
+            <a:schemeClr val="accent1"/>
+          </a:effectRef>
+          <a:fontRef idx="minor">
+            <a:schemeClr val="lt1"/>
+          </a:fontRef>
+        </p:style>
+        <p:txBody>
+          <a:bodyPr rtlCol="0" anchor="ctr"/>
+          <a:lstStyle/>
+          <a:p>
+            <a:pPr algn="ctr"/>
+            <a:endParaRPr lang="en-US"/>
+          </a:p>
+        </p:txBody>
+      </p:sp>
+      <p:pic>
+        <p:nvPicPr>
+          <p:cNvPr id="4" name="Picture 3" descr="Ein Bild, das Screenshot, Wasser, Blau, unterwasser enthält.&#10;&#10;Automatisch generierte Beschreibung">
+            <a:extLst>
+              <a:ext uri="{FF2B5EF4-FFF2-40B4-BE49-F238E27FC236}">
+                <a16:creationId xmlns:a16="http://schemas.microsoft.com/office/drawing/2014/main" id="{8888D5D7-5569-BBD7-CF94-2A7F62111266}"/>
+              </a:ext>
+            </a:extLst>
+          </p:cNvPr>
+          <p:cNvPicPr>
+            <a:picLocks noChangeAspect="1"/>
+          </p:cNvPicPr>
+          <p:nvPr/>
+        </p:nvPicPr>
+        <p:blipFill rotWithShape="1">
+          <a:blip r:embed="rId2"/>
+          <a:srcRect l="154" r="33284"/>
+          <a:stretch/>
+        </p:blipFill>
+        <p:spPr>
+          <a:xfrm>
+            <a:off x="20" y="-2"/>
+            <a:ext cx="8115280" cy="6858001"/>
+          </a:xfrm>
+          <a:prstGeom prst="rect">
+            <a:avLst/>
+          </a:prstGeom>
+        </p:spPr>
+      </p:pic>
+      <p:sp>
+        <p:nvSpPr>
+          <p:cNvPr id="11" name="Rectangle 10">
+            <a:extLst>
+              <a:ext uri="{FF2B5EF4-FFF2-40B4-BE49-F238E27FC236}">
+                <a16:creationId xmlns:a16="http://schemas.microsoft.com/office/drawing/2014/main" id="{EC5FF010-B53C-46BE-BEEF-AF926A00F67F}"/>
+              </a:ext>
+              <a:ext uri="{C183D7F6-B498-43B3-948B-1728B52AA6E4}">
+                <adec:decorative xmlns="" xmlns:adec="http://schemas.microsoft.com/office/drawing/2017/decorative" val="1"/>
+              </a:ext>
+            </a:extLst>
+          </p:cNvPr>
+          <p:cNvSpPr>
+            <a:spLocks noGrp="1" noRot="1" noChangeAspect="1" noMove="1" noResize="1" noEditPoints="1" noAdjustHandles="1" noChangeArrowheads="1" noChangeShapeType="1" noTextEdit="1"/>
+          </p:cNvSpPr>
+          <p:nvPr>
+            <p:extLst>
+              <p:ext uri="{386F3935-93C4-4BCD-93E2-E3B085C9AB24}">
+                <p16:designElem xmlns:p16="http://schemas.microsoft.com/office/powerpoint/2015/main" val="1"/>
+              </p:ext>
+            </p:extLst>
+          </p:nvPr>
+        </p:nvSpPr>
+        <p:spPr>
+          <a:xfrm>
+            <a:off x="3238500" y="2057400"/>
+            <a:ext cx="4876800" cy="2743201"/>
+          </a:xfrm>
+          <a:prstGeom prst="rect">
+            <a:avLst/>
+          </a:prstGeom>
+          <a:solidFill>
+            <a:schemeClr val="bg1"/>
+          </a:solidFill>
+          <a:ln w="12700" cap="flat" cmpd="sng" algn="ctr">
+            <a:noFill/>
+            <a:prstDash val="solid"/>
+            <a:miter lim="800000"/>
+          </a:ln>
+          <a:effectLst/>
+        </p:spPr>
+        <p:style>
+          <a:lnRef idx="2">
+            <a:schemeClr val="accent1">
+              <a:shade val="50000"/>
+            </a:schemeClr>
+          </a:lnRef>
+          <a:fillRef idx="1">
+            <a:schemeClr val="accent1"/>
+          </a:fillRef>
+          <a:effectRef idx="0">
+            <a:schemeClr val="accent1"/>
+          </a:effectRef>
+          <a:fontRef idx="minor">
+            <a:schemeClr val="lt1"/>
+          </a:fontRef>
+        </p:style>
+        <p:txBody>
+          <a:bodyPr rtlCol="0" anchor="ctr"/>
+          <a:lstStyle/>
+          <a:p>
+            <a:pPr algn="ctr"/>
+            <a:endParaRPr lang="en-US"/>
+          </a:p>
+        </p:txBody>
+      </p:sp>
+      <p:sp>
+        <p:nvSpPr>
+          <p:cNvPr id="13" name="Rectangle 12">
+            <a:extLst>
+              <a:ext uri="{FF2B5EF4-FFF2-40B4-BE49-F238E27FC236}">
+                <a16:creationId xmlns:a16="http://schemas.microsoft.com/office/drawing/2014/main" id="{8509AD9C-1F43-4138-A72B-8CA988EDD475}"/>
+              </a:ext>
+              <a:ext uri="{C183D7F6-B498-43B3-948B-1728B52AA6E4}">
+                <adec:decorative xmlns="" xmlns:adec="http://schemas.microsoft.com/office/drawing/2017/decorative" val="1"/>
+              </a:ext>
+            </a:extLst>
+          </p:cNvPr>
+          <p:cNvSpPr>
+            <a:spLocks noGrp="1" noRot="1" noChangeAspect="1" noMove="1" noResize="1" noEditPoints="1" noAdjustHandles="1" noChangeArrowheads="1" noChangeShapeType="1" noTextEdit="1"/>
+          </p:cNvSpPr>
+          <p:nvPr>
+            <p:extLst>
+              <p:ext uri="{386F3935-93C4-4BCD-93E2-E3B085C9AB24}">
+                <p16:designElem xmlns:p16="http://schemas.microsoft.com/office/powerpoint/2015/main" val="1"/>
+              </p:ext>
+            </p:extLst>
+          </p:nvPr>
+        </p:nvSpPr>
+        <p:spPr>
+          <a:xfrm>
+            <a:off x="8115300" y="2057400"/>
+            <a:ext cx="3276600" cy="2743201"/>
+          </a:xfrm>
+          <a:prstGeom prst="rect">
+            <a:avLst/>
+          </a:prstGeom>
+          <a:solidFill>
+            <a:schemeClr val="bg2"/>
+          </a:solidFill>
+          <a:ln w="12700" cap="flat" cmpd="sng" algn="ctr">
+            <a:noFill/>
+            <a:prstDash val="solid"/>
+            <a:miter lim="800000"/>
+          </a:ln>
+          <a:effectLst/>
+        </p:spPr>
+        <p:style>
+          <a:lnRef idx="2">
+            <a:schemeClr val="accent1">
+              <a:shade val="50000"/>
+            </a:schemeClr>
+          </a:lnRef>
+          <a:fillRef idx="1">
+            <a:schemeClr val="accent1"/>
+          </a:fillRef>
+          <a:effectRef idx="0">
+            <a:schemeClr val="accent1"/>
+          </a:effectRef>
+          <a:fontRef idx="minor">
+            <a:schemeClr val="lt1"/>
+          </a:fontRef>
+        </p:style>
+        <p:txBody>
+          <a:bodyPr rtlCol="0" anchor="ctr"/>
+          <a:lstStyle/>
+          <a:p>
+            <a:pPr algn="ctr"/>
+            <a:endParaRPr lang="en-US"/>
+          </a:p>
+        </p:txBody>
+      </p:sp>
+      <p:sp>
+        <p:nvSpPr>
+          <p:cNvPr id="2" name="Titel 1">
+            <a:extLst>
+              <a:ext uri="{FF2B5EF4-FFF2-40B4-BE49-F238E27FC236}">
+                <a16:creationId xmlns:a16="http://schemas.microsoft.com/office/drawing/2014/main" id="{C116823A-F0C0-9F76-4B25-AE0CF378C7B1}"/>
               </a:ext>
             </a:extLst>
           </p:cNvPr>
@@ -13378,37 +13777,38 @@
         </p:nvSpPr>
         <p:spPr>
           <a:xfrm>
-            <a:off x="2032213" y="370652"/>
-            <a:ext cx="8127574" cy="2736443"/>
+            <a:off x="4017974" y="2502485"/>
+            <a:ext cx="5061674" cy="1853023"/>
           </a:xfrm>
         </p:spPr>
         <p:txBody>
-          <a:bodyPr/>
+          <a:bodyPr anchor="ctr">
+            <a:normAutofit/>
+          </a:bodyPr>
           <a:lstStyle/>
           <a:p>
             <a:r>
-              <a:rPr lang="de-AT" dirty="0"/>
-              <a:t>Viel Erfolg beim Entwickeln!</a:t>
-            </a:r>
+              <a:rPr lang="de-AT" sz="3200" dirty="0" smtClean="0"/>
+              <a:t>JS </a:t>
+            </a:r>
+            <a:r>
+              <a:rPr lang="de-AT" sz="3200" dirty="0" err="1" smtClean="0"/>
+              <a:t>Math</a:t>
+            </a:r>
+            <a:endParaRPr lang="de-AT" sz="3200" dirty="0"/>
           </a:p>
         </p:txBody>
       </p:sp>
       <p:pic>
         <p:nvPicPr>
-          <p:cNvPr id="2050" name="Picture 2" descr="CODERS.BAY | Linz">
-            <a:extLst>
-              <a:ext uri="{FF2B5EF4-FFF2-40B4-BE49-F238E27FC236}">
-                <a16:creationId xmlns:a16="http://schemas.microsoft.com/office/drawing/2014/main" id="{FC92A2D7-CD40-5160-E3FA-7A115A1ECE63}"/>
-              </a:ext>
-            </a:extLst>
-          </p:cNvPr>
+          <p:cNvPr id="2050" name="Picture 2" descr="JavaScript logo and symbol, meaning, history, PNG"/>
           <p:cNvPicPr>
             <a:picLocks noChangeAspect="1" noChangeArrowheads="1"/>
           </p:cNvPicPr>
           <p:nvPr/>
         </p:nvPicPr>
         <p:blipFill>
-          <a:blip r:embed="rId2">
+          <a:blip r:embed="rId3" cstate="hqprint">
             <a:extLst>
               <a:ext uri="{28A0092B-C50C-407E-A947-70E740481C1C}">
                 <a14:useLocalDpi xmlns:a14="http://schemas.microsoft.com/office/drawing/2010/main" val="0"/>
@@ -13422,8 +13822,8 @@
         </p:blipFill>
         <p:spPr bwMode="auto">
           <a:xfrm>
-            <a:off x="5342119" y="3768185"/>
-            <a:ext cx="1507761" cy="1507761"/>
+            <a:off x="7856172" y="2210667"/>
+            <a:ext cx="3898658" cy="2436661"/>
           </a:xfrm>
           <a:prstGeom prst="rect">
             <a:avLst/>
@@ -13443,7 +13843,7 @@
     </p:spTree>
     <p:extLst>
       <p:ext uri="{BB962C8B-B14F-4D97-AF65-F5344CB8AC3E}">
-        <p14:creationId xmlns:p14="http://schemas.microsoft.com/office/powerpoint/2010/main" val="2872145444"/>
+        <p14:creationId xmlns:p14="http://schemas.microsoft.com/office/powerpoint/2010/main" val="2237245382"/>
       </p:ext>
     </p:extLst>
   </p:cSld>
@@ -13457,6 +13857,304 @@
       </p:par>
     </p:tnLst>
   </p:timing>
+</p:sld>
+</file>
+
+<file path=ppt/slides/slide39.xml><?xml version="1.0" encoding="utf-8"?>
+<p:sld xmlns:a="http://schemas.openxmlformats.org/drawingml/2006/main" xmlns:r="http://schemas.openxmlformats.org/officeDocument/2006/relationships" xmlns:p="http://schemas.openxmlformats.org/presentationml/2006/main">
+  <p:cSld>
+    <p:spTree>
+      <p:nvGrpSpPr>
+        <p:cNvPr id="1" name=""/>
+        <p:cNvGrpSpPr/>
+        <p:nvPr/>
+      </p:nvGrpSpPr>
+      <p:grpSpPr>
+        <a:xfrm>
+          <a:off x="0" y="0"/>
+          <a:ext cx="0" cy="0"/>
+          <a:chOff x="0" y="0"/>
+          <a:chExt cx="0" cy="0"/>
+        </a:xfrm>
+      </p:grpSpPr>
+      <p:sp>
+        <p:nvSpPr>
+          <p:cNvPr id="2" name="Titel 1"/>
+          <p:cNvSpPr>
+            <a:spLocks noGrp="1"/>
+          </p:cNvSpPr>
+          <p:nvPr>
+            <p:ph type="title"/>
+          </p:nvPr>
+        </p:nvSpPr>
+        <p:spPr/>
+        <p:txBody>
+          <a:bodyPr/>
+          <a:lstStyle/>
+          <a:p>
+            <a:r>
+              <a:rPr lang="de-DE" dirty="0" smtClean="0"/>
+              <a:t>JavaScript </a:t>
+            </a:r>
+            <a:r>
+              <a:rPr lang="de-DE" dirty="0" err="1"/>
+              <a:t>Math</a:t>
+            </a:r>
+            <a:r>
+              <a:rPr lang="de-DE" dirty="0"/>
+              <a:t/>
+            </a:r>
+            <a:br>
+              <a:rPr lang="de-DE" dirty="0"/>
+            </a:br>
+            <a:endParaRPr lang="en-US" dirty="0"/>
+          </a:p>
+        </p:txBody>
+      </p:sp>
+      <p:sp>
+        <p:nvSpPr>
+          <p:cNvPr id="3" name="Inhaltsplatzhalter 2"/>
+          <p:cNvSpPr>
+            <a:spLocks noGrp="1"/>
+          </p:cNvSpPr>
+          <p:nvPr>
+            <p:ph idx="1"/>
+          </p:nvPr>
+        </p:nvSpPr>
+        <p:spPr>
+          <a:xfrm>
+            <a:off x="1154724" y="1863969"/>
+            <a:ext cx="5509845" cy="4137259"/>
+          </a:xfrm>
+        </p:spPr>
+        <p:txBody>
+          <a:bodyPr>
+            <a:normAutofit fontScale="92500" lnSpcReduction="20000"/>
+          </a:bodyPr>
+          <a:lstStyle/>
+          <a:p>
+            <a:r>
+              <a:rPr lang="de-DE" dirty="0" smtClean="0"/>
+              <a:t>JavaScript </a:t>
+            </a:r>
+            <a:r>
+              <a:rPr lang="de-DE" dirty="0"/>
+              <a:t>bietet das </a:t>
+            </a:r>
+            <a:r>
+              <a:rPr lang="de-DE" dirty="0" err="1"/>
+              <a:t>Math</a:t>
+            </a:r>
+            <a:r>
+              <a:rPr lang="de-DE" dirty="0"/>
+              <a:t>-Objekt für mathematische Operationen an.</a:t>
+            </a:r>
+          </a:p>
+          <a:p>
+            <a:r>
+              <a:rPr lang="de-DE" dirty="0" smtClean="0"/>
+              <a:t>Es </a:t>
+            </a:r>
+            <a:r>
+              <a:rPr lang="de-DE" dirty="0"/>
+              <a:t>enthält verschiedene Eigenschaften und Methoden für häufige mathematische Aufgaben.</a:t>
+            </a:r>
+          </a:p>
+          <a:p>
+            <a:r>
+              <a:rPr lang="de-DE" dirty="0" smtClean="0"/>
+              <a:t>Einige </a:t>
+            </a:r>
+            <a:r>
+              <a:rPr lang="de-DE" dirty="0"/>
+              <a:t>häufig verwendete Methoden sind </a:t>
+            </a:r>
+            <a:r>
+              <a:rPr lang="de-DE" dirty="0" err="1"/>
+              <a:t>Math.floor</a:t>
+            </a:r>
+            <a:r>
+              <a:rPr lang="de-DE" dirty="0"/>
+              <a:t>(), </a:t>
+            </a:r>
+            <a:r>
+              <a:rPr lang="de-DE" dirty="0" err="1"/>
+              <a:t>Math.ceil</a:t>
+            </a:r>
+            <a:r>
+              <a:rPr lang="de-DE" dirty="0"/>
+              <a:t>(), </a:t>
+            </a:r>
+            <a:r>
+              <a:rPr lang="de-DE" dirty="0" err="1"/>
+              <a:t>Math.random</a:t>
+            </a:r>
+            <a:r>
+              <a:rPr lang="de-DE" dirty="0"/>
+              <a:t>(), </a:t>
+            </a:r>
+            <a:r>
+              <a:rPr lang="de-DE" dirty="0" err="1"/>
+              <a:t>Math.max</a:t>
+            </a:r>
+            <a:r>
+              <a:rPr lang="de-DE" dirty="0"/>
+              <a:t>() und </a:t>
+            </a:r>
+            <a:r>
+              <a:rPr lang="de-DE" dirty="0" err="1"/>
+              <a:t>Math.min</a:t>
+            </a:r>
+            <a:r>
+              <a:rPr lang="de-DE" dirty="0"/>
+              <a:t>().</a:t>
+            </a:r>
+          </a:p>
+          <a:p>
+            <a:r>
+              <a:rPr lang="de-DE" dirty="0" smtClean="0"/>
+              <a:t>Das </a:t>
+            </a:r>
+            <a:r>
+              <a:rPr lang="de-DE" dirty="0" err="1"/>
+              <a:t>Math</a:t>
+            </a:r>
+            <a:r>
+              <a:rPr lang="de-DE" dirty="0"/>
+              <a:t>-Objekt bietet auch die Konstante </a:t>
+            </a:r>
+            <a:r>
+              <a:rPr lang="de-DE" dirty="0" err="1"/>
+              <a:t>Math.PI</a:t>
+            </a:r>
+            <a:r>
+              <a:rPr lang="de-DE" dirty="0"/>
+              <a:t> für den Zugriff auf den Wert von π.</a:t>
+            </a:r>
+          </a:p>
+          <a:p>
+            <a:r>
+              <a:rPr lang="de-DE" dirty="0" smtClean="0"/>
+              <a:t>Zusätzlich </a:t>
+            </a:r>
+            <a:r>
+              <a:rPr lang="de-DE" dirty="0"/>
+              <a:t>bietet es Methoden wie </a:t>
+            </a:r>
+            <a:r>
+              <a:rPr lang="de-DE" dirty="0" err="1"/>
+              <a:t>Math.abs</a:t>
+            </a:r>
+            <a:r>
+              <a:rPr lang="de-DE" dirty="0"/>
+              <a:t>() zur Berechnung des absoluten Werts </a:t>
+            </a:r>
+            <a:r>
+              <a:rPr lang="de-DE" dirty="0" smtClean="0"/>
+              <a:t>,</a:t>
+            </a:r>
+            <a:r>
+              <a:rPr lang="de-DE" dirty="0" err="1" smtClean="0"/>
+              <a:t>Math.pow</a:t>
+            </a:r>
+            <a:r>
+              <a:rPr lang="de-DE" dirty="0"/>
+              <a:t>() für die </a:t>
+            </a:r>
+            <a:r>
+              <a:rPr lang="de-DE" dirty="0" smtClean="0"/>
+              <a:t>Potenzierung und </a:t>
+            </a:r>
+            <a:r>
+              <a:rPr lang="de-DE" dirty="0" err="1" smtClean="0"/>
+              <a:t>Math.sqrt</a:t>
+            </a:r>
+            <a:r>
+              <a:rPr lang="de-DE" dirty="0" smtClean="0"/>
+              <a:t>() um die Quadratwurzel zu berechnen</a:t>
+            </a:r>
+            <a:endParaRPr lang="de-DE" dirty="0"/>
+          </a:p>
+          <a:p>
+            <a:endParaRPr lang="de-DE" dirty="0"/>
+          </a:p>
+        </p:txBody>
+      </p:sp>
+      <p:pic>
+        <p:nvPicPr>
+          <p:cNvPr id="4" name="Grafik 3"/>
+          <p:cNvPicPr>
+            <a:picLocks noChangeAspect="1"/>
+          </p:cNvPicPr>
+          <p:nvPr/>
+        </p:nvPicPr>
+        <p:blipFill>
+          <a:blip r:embed="rId2"/>
+          <a:stretch>
+            <a:fillRect/>
+          </a:stretch>
+        </p:blipFill>
+        <p:spPr>
+          <a:xfrm>
+            <a:off x="6795640" y="1977594"/>
+            <a:ext cx="5212830" cy="1908605"/>
+          </a:xfrm>
+          <a:prstGeom prst="rect">
+            <a:avLst/>
+          </a:prstGeom>
+        </p:spPr>
+      </p:pic>
+      <p:sp>
+        <p:nvSpPr>
+          <p:cNvPr id="5" name="Rechteck 4"/>
+          <p:cNvSpPr/>
+          <p:nvPr/>
+        </p:nvSpPr>
+        <p:spPr>
+          <a:xfrm>
+            <a:off x="7665789" y="3982886"/>
+            <a:ext cx="4678611" cy="307777"/>
+          </a:xfrm>
+          <a:prstGeom prst="rect">
+            <a:avLst/>
+          </a:prstGeom>
+        </p:spPr>
+        <p:txBody>
+          <a:bodyPr wrap="square">
+            <a:spAutoFit/>
+          </a:bodyPr>
+          <a:lstStyle/>
+          <a:p>
+            <a:r>
+              <a:rPr lang="en-US" sz="1400" dirty="0">
+                <a:hlinkClick r:id="rId3"/>
+              </a:rPr>
+              <a:t>https://</a:t>
+            </a:r>
+            <a:r>
+              <a:rPr lang="en-US" sz="1400" dirty="0" smtClean="0">
+                <a:hlinkClick r:id="rId3"/>
+              </a:rPr>
+              <a:t>www.w3schools.com/js/js_math.asp</a:t>
+            </a:r>
+            <a:r>
+              <a:rPr lang="en-US" sz="1400" dirty="0" smtClean="0"/>
+              <a:t> </a:t>
+            </a:r>
+            <a:endParaRPr lang="en-US" sz="1400" dirty="0"/>
+          </a:p>
+        </p:txBody>
+      </p:sp>
+    </p:spTree>
+    <p:extLst>
+      <p:ext uri="{BB962C8B-B14F-4D97-AF65-F5344CB8AC3E}">
+        <p14:creationId xmlns:p14="http://schemas.microsoft.com/office/powerpoint/2010/main" val="1199668790"/>
+      </p:ext>
+    </p:extLst>
+  </p:cSld>
+  <p:clrMapOvr>
+    <a:masterClrMapping/>
+  </p:clrMapOvr>
 </p:sld>
 </file>
 
@@ -13797,6 +14495,421 @@
     <p:bldLst>
       <p:bldP spid="3" grpId="0" build="p"/>
     </p:bldLst>
+  </p:timing>
+</p:sld>
+</file>
+
+<file path=ppt/slides/slide40.xml><?xml version="1.0" encoding="utf-8"?>
+<p:sld xmlns:a="http://schemas.openxmlformats.org/drawingml/2006/main" xmlns:r="http://schemas.openxmlformats.org/officeDocument/2006/relationships" xmlns:p="http://schemas.openxmlformats.org/presentationml/2006/main">
+  <p:cSld>
+    <p:spTree>
+      <p:nvGrpSpPr>
+        <p:cNvPr id="1" name=""/>
+        <p:cNvGrpSpPr/>
+        <p:nvPr/>
+      </p:nvGrpSpPr>
+      <p:grpSpPr>
+        <a:xfrm>
+          <a:off x="0" y="0"/>
+          <a:ext cx="0" cy="0"/>
+          <a:chOff x="0" y="0"/>
+          <a:chExt cx="0" cy="0"/>
+        </a:xfrm>
+      </p:grpSpPr>
+      <p:pic>
+        <p:nvPicPr>
+          <p:cNvPr id="4" name="Grafik 3"/>
+          <p:cNvPicPr>
+            <a:picLocks noChangeAspect="1"/>
+          </p:cNvPicPr>
+          <p:nvPr/>
+        </p:nvPicPr>
+        <p:blipFill>
+          <a:blip r:embed="rId2"/>
+          <a:stretch>
+            <a:fillRect/>
+          </a:stretch>
+        </p:blipFill>
+        <p:spPr>
+          <a:xfrm>
+            <a:off x="7971546" y="2708586"/>
+            <a:ext cx="3353091" cy="2834886"/>
+          </a:xfrm>
+          <a:prstGeom prst="rect">
+            <a:avLst/>
+          </a:prstGeom>
+        </p:spPr>
+      </p:pic>
+      <p:sp>
+        <p:nvSpPr>
+          <p:cNvPr id="2" name="Titel 1"/>
+          <p:cNvSpPr>
+            <a:spLocks noGrp="1"/>
+          </p:cNvSpPr>
+          <p:nvPr>
+            <p:ph type="title"/>
+          </p:nvPr>
+        </p:nvSpPr>
+        <p:spPr/>
+        <p:txBody>
+          <a:bodyPr/>
+          <a:lstStyle/>
+          <a:p>
+            <a:r>
+              <a:rPr lang="de-AT" dirty="0" smtClean="0"/>
+              <a:t>Codier-Rätsel „virtueller Würfel“</a:t>
+            </a:r>
+            <a:endParaRPr lang="en-US" dirty="0"/>
+          </a:p>
+        </p:txBody>
+      </p:sp>
+      <p:sp>
+        <p:nvSpPr>
+          <p:cNvPr id="3" name="Inhaltsplatzhalter 2"/>
+          <p:cNvSpPr>
+            <a:spLocks noGrp="1"/>
+          </p:cNvSpPr>
+          <p:nvPr>
+            <p:ph idx="1"/>
+          </p:nvPr>
+        </p:nvSpPr>
+        <p:spPr>
+          <a:xfrm>
+            <a:off x="1260231" y="2057400"/>
+            <a:ext cx="7303477" cy="4137259"/>
+          </a:xfrm>
+        </p:spPr>
+        <p:txBody>
+          <a:bodyPr/>
+          <a:lstStyle/>
+          <a:p>
+            <a:r>
+              <a:rPr lang="de-AT" dirty="0" smtClean="0"/>
+              <a:t>Schreibe ein Programm um das Werfen eines Würfels zu simulieren. </a:t>
+            </a:r>
+          </a:p>
+          <a:p>
+            <a:r>
+              <a:rPr lang="de-AT" dirty="0" smtClean="0"/>
+              <a:t>Es soll also jedes Mal wenn es ausgeführt wird eine Zufallszahl (ganzzahlig) zwischen 1 und 6 erzeugen und über console.log ausgeben</a:t>
+            </a:r>
+          </a:p>
+          <a:p>
+            <a:r>
+              <a:rPr lang="de-AT" dirty="0" smtClean="0"/>
+              <a:t>Verwende dafür JS </a:t>
+            </a:r>
+            <a:r>
+              <a:rPr lang="de-AT" dirty="0" err="1" smtClean="0"/>
+              <a:t>Math</a:t>
+            </a:r>
+            <a:r>
+              <a:rPr lang="de-AT" dirty="0" smtClean="0"/>
+              <a:t> Methoden  </a:t>
+            </a:r>
+          </a:p>
+          <a:p>
+            <a:endParaRPr lang="en-US" dirty="0"/>
+          </a:p>
+        </p:txBody>
+      </p:sp>
+    </p:spTree>
+    <p:extLst>
+      <p:ext uri="{BB962C8B-B14F-4D97-AF65-F5344CB8AC3E}">
+        <p14:creationId xmlns:p14="http://schemas.microsoft.com/office/powerpoint/2010/main" val="198360726"/>
+      </p:ext>
+    </p:extLst>
+  </p:cSld>
+  <p:clrMapOvr>
+    <a:masterClrMapping/>
+  </p:clrMapOvr>
+</p:sld>
+</file>
+
+<file path=ppt/slides/slide41.xml><?xml version="1.0" encoding="utf-8"?>
+<p:sld xmlns:a="http://schemas.openxmlformats.org/drawingml/2006/main" xmlns:r="http://schemas.openxmlformats.org/officeDocument/2006/relationships" xmlns:p="http://schemas.openxmlformats.org/presentationml/2006/main">
+  <p:cSld>
+    <p:spTree>
+      <p:nvGrpSpPr>
+        <p:cNvPr id="1" name=""/>
+        <p:cNvGrpSpPr/>
+        <p:nvPr/>
+      </p:nvGrpSpPr>
+      <p:grpSpPr>
+        <a:xfrm>
+          <a:off x="0" y="0"/>
+          <a:ext cx="0" cy="0"/>
+          <a:chOff x="0" y="0"/>
+          <a:chExt cx="0" cy="0"/>
+        </a:xfrm>
+      </p:grpSpPr>
+      <p:sp>
+        <p:nvSpPr>
+          <p:cNvPr id="2" name="Titel 1"/>
+          <p:cNvSpPr>
+            <a:spLocks noGrp="1"/>
+          </p:cNvSpPr>
+          <p:nvPr>
+            <p:ph type="title"/>
+          </p:nvPr>
+        </p:nvSpPr>
+        <p:spPr/>
+        <p:txBody>
+          <a:bodyPr/>
+          <a:lstStyle/>
+          <a:p>
+            <a:r>
+              <a:rPr lang="de-DE" dirty="0" err="1" smtClean="0"/>
+              <a:t>Math.random</a:t>
+            </a:r>
+            <a:r>
+              <a:rPr lang="de-DE" dirty="0" smtClean="0"/>
+              <a:t>()</a:t>
+            </a:r>
+            <a:r>
+              <a:rPr lang="de-DE" dirty="0"/>
+              <a:t/>
+            </a:r>
+            <a:br>
+              <a:rPr lang="de-DE" dirty="0"/>
+            </a:br>
+            <a:endParaRPr lang="en-US" dirty="0"/>
+          </a:p>
+        </p:txBody>
+      </p:sp>
+      <p:sp>
+        <p:nvSpPr>
+          <p:cNvPr id="3" name="Inhaltsplatzhalter 2"/>
+          <p:cNvSpPr>
+            <a:spLocks noGrp="1"/>
+          </p:cNvSpPr>
+          <p:nvPr>
+            <p:ph idx="1"/>
+          </p:nvPr>
+        </p:nvSpPr>
+        <p:spPr>
+          <a:xfrm>
+            <a:off x="1154724" y="1863969"/>
+            <a:ext cx="7312268" cy="4137259"/>
+          </a:xfrm>
+        </p:spPr>
+        <p:txBody>
+          <a:bodyPr>
+            <a:normAutofit/>
+          </a:bodyPr>
+          <a:lstStyle/>
+          <a:p>
+            <a:r>
+              <a:rPr lang="de-DE" dirty="0"/>
+              <a:t>Verwendung von </a:t>
+            </a:r>
+            <a:r>
+              <a:rPr lang="de-DE" dirty="0" err="1"/>
+              <a:t>Math.random</a:t>
+            </a:r>
+            <a:r>
+              <a:rPr lang="de-DE" dirty="0"/>
+              <a:t>() in JavaScript JavaScripts </a:t>
+            </a:r>
+            <a:r>
+              <a:rPr lang="de-DE" dirty="0" err="1"/>
+              <a:t>Math.random</a:t>
+            </a:r>
+            <a:r>
+              <a:rPr lang="de-DE" dirty="0"/>
+              <a:t>() liefert eine Pseudozufallszahl zwischen 0 (inklusive) und 1 (exklusive). </a:t>
+            </a:r>
+          </a:p>
+          <a:p>
+            <a:r>
+              <a:rPr lang="de-DE" dirty="0"/>
+              <a:t>Es ist nützlich für die Erzeugung von Zufallszahlen in Anwendungen wie Spielen, Simulationen und mehr. </a:t>
+            </a:r>
+          </a:p>
+          <a:p>
+            <a:r>
+              <a:rPr lang="de-DE" dirty="0"/>
+              <a:t>Durch Multiplikation mit einem Faktor und Hinzufügen eines Versatzes kann die gewünschte Zahlenbreite und Startpunkt erreicht werden. </a:t>
+            </a:r>
+          </a:p>
+          <a:p>
+            <a:r>
+              <a:rPr lang="de-DE" dirty="0"/>
+              <a:t>Um eine Zufallszahl in einem bestimmten Bereich zu erhalten, kann die Formel </a:t>
+            </a:r>
+            <a:r>
+              <a:rPr lang="de-DE" dirty="0" err="1"/>
+              <a:t>Math.random</a:t>
+            </a:r>
+            <a:r>
+              <a:rPr lang="de-DE" dirty="0"/>
+              <a:t>() * (</a:t>
+            </a:r>
+            <a:r>
+              <a:rPr lang="de-DE" dirty="0" err="1"/>
+              <a:t>max</a:t>
+            </a:r>
+            <a:r>
+              <a:rPr lang="de-DE" dirty="0"/>
+              <a:t> - min) + min verwendet werden.</a:t>
+            </a:r>
+            <a:endParaRPr lang="en-US" dirty="0"/>
+          </a:p>
+          <a:p>
+            <a:endParaRPr lang="de-DE" dirty="0"/>
+          </a:p>
+        </p:txBody>
+      </p:sp>
+      <p:pic>
+        <p:nvPicPr>
+          <p:cNvPr id="5" name="Grafik 4"/>
+          <p:cNvPicPr>
+            <a:picLocks noChangeAspect="1"/>
+          </p:cNvPicPr>
+          <p:nvPr/>
+        </p:nvPicPr>
+        <p:blipFill>
+          <a:blip r:embed="rId2"/>
+          <a:stretch>
+            <a:fillRect/>
+          </a:stretch>
+        </p:blipFill>
+        <p:spPr>
+          <a:xfrm>
+            <a:off x="8305654" y="2295347"/>
+            <a:ext cx="3353091" cy="2834886"/>
+          </a:xfrm>
+          <a:prstGeom prst="rect">
+            <a:avLst/>
+          </a:prstGeom>
+        </p:spPr>
+      </p:pic>
+    </p:spTree>
+    <p:extLst>
+      <p:ext uri="{BB962C8B-B14F-4D97-AF65-F5344CB8AC3E}">
+        <p14:creationId xmlns:p14="http://schemas.microsoft.com/office/powerpoint/2010/main" val="867904103"/>
+      </p:ext>
+    </p:extLst>
+  </p:cSld>
+  <p:clrMapOvr>
+    <a:masterClrMapping/>
+  </p:clrMapOvr>
+</p:sld>
+</file>
+
+<file path=ppt/slides/slide42.xml><?xml version="1.0" encoding="utf-8"?>
+<p:sld xmlns:a="http://schemas.openxmlformats.org/drawingml/2006/main" xmlns:r="http://schemas.openxmlformats.org/officeDocument/2006/relationships" xmlns:p="http://schemas.openxmlformats.org/presentationml/2006/main">
+  <p:cSld>
+    <p:spTree>
+      <p:nvGrpSpPr>
+        <p:cNvPr id="1" name=""/>
+        <p:cNvGrpSpPr/>
+        <p:nvPr/>
+      </p:nvGrpSpPr>
+      <p:grpSpPr>
+        <a:xfrm>
+          <a:off x="0" y="0"/>
+          <a:ext cx="0" cy="0"/>
+          <a:chOff x="0" y="0"/>
+          <a:chExt cx="0" cy="0"/>
+        </a:xfrm>
+      </p:grpSpPr>
+      <p:sp>
+        <p:nvSpPr>
+          <p:cNvPr id="6" name="Titel 5">
+            <a:extLst>
+              <a:ext uri="{FF2B5EF4-FFF2-40B4-BE49-F238E27FC236}">
+                <a16:creationId xmlns:a16="http://schemas.microsoft.com/office/drawing/2014/main" id="{215C6C17-3994-268F-CD9B-1F627A31A4B8}"/>
+              </a:ext>
+            </a:extLst>
+          </p:cNvPr>
+          <p:cNvSpPr>
+            <a:spLocks noGrp="1"/>
+          </p:cNvSpPr>
+          <p:nvPr>
+            <p:ph type="ctrTitle"/>
+          </p:nvPr>
+        </p:nvSpPr>
+        <p:spPr>
+          <a:xfrm>
+            <a:off x="2032213" y="370652"/>
+            <a:ext cx="8127574" cy="2736443"/>
+          </a:xfrm>
+        </p:spPr>
+        <p:txBody>
+          <a:bodyPr/>
+          <a:lstStyle/>
+          <a:p>
+            <a:r>
+              <a:rPr lang="de-AT" dirty="0"/>
+              <a:t>Viel Erfolg beim Entwickeln!</a:t>
+            </a:r>
+          </a:p>
+        </p:txBody>
+      </p:sp>
+      <p:pic>
+        <p:nvPicPr>
+          <p:cNvPr id="2050" name="Picture 2" descr="CODERS.BAY | Linz">
+            <a:extLst>
+              <a:ext uri="{FF2B5EF4-FFF2-40B4-BE49-F238E27FC236}">
+                <a16:creationId xmlns:a16="http://schemas.microsoft.com/office/drawing/2014/main" id="{FC92A2D7-CD40-5160-E3FA-7A115A1ECE63}"/>
+              </a:ext>
+            </a:extLst>
+          </p:cNvPr>
+          <p:cNvPicPr>
+            <a:picLocks noChangeAspect="1" noChangeArrowheads="1"/>
+          </p:cNvPicPr>
+          <p:nvPr/>
+        </p:nvPicPr>
+        <p:blipFill>
+          <a:blip r:embed="rId2">
+            <a:extLst>
+              <a:ext uri="{28A0092B-C50C-407E-A947-70E740481C1C}">
+                <a14:useLocalDpi xmlns:a14="http://schemas.microsoft.com/office/drawing/2010/main" val="0"/>
+              </a:ext>
+            </a:extLst>
+          </a:blip>
+          <a:srcRect/>
+          <a:stretch>
+            <a:fillRect/>
+          </a:stretch>
+        </p:blipFill>
+        <p:spPr bwMode="auto">
+          <a:xfrm>
+            <a:off x="5342119" y="3768185"/>
+            <a:ext cx="1507761" cy="1507761"/>
+          </a:xfrm>
+          <a:prstGeom prst="rect">
+            <a:avLst/>
+          </a:prstGeom>
+          <a:noFill/>
+          <a:extLst>
+            <a:ext uri="{909E8E84-426E-40DD-AFC4-6F175D3DCCD1}">
+              <a14:hiddenFill xmlns:a14="http://schemas.microsoft.com/office/drawing/2010/main">
+                <a:solidFill>
+                  <a:srgbClr val="FFFFFF"/>
+                </a:solidFill>
+              </a14:hiddenFill>
+            </a:ext>
+          </a:extLst>
+        </p:spPr>
+      </p:pic>
+    </p:spTree>
+    <p:extLst>
+      <p:ext uri="{BB962C8B-B14F-4D97-AF65-F5344CB8AC3E}">
+        <p14:creationId xmlns:p14="http://schemas.microsoft.com/office/powerpoint/2010/main" val="2872145444"/>
+      </p:ext>
+    </p:extLst>
+  </p:cSld>
+  <p:clrMapOvr>
+    <a:masterClrMapping/>
+  </p:clrMapOvr>
+  <p:timing>
+    <p:tnLst>
+      <p:par>
+        <p:cTn id="1" dur="indefinite" restart="never" nodeType="tmRoot"/>
+      </p:par>
+    </p:tnLst>
   </p:timing>
 </p:sld>
 </file>
